--- a/09/Course-Slide-Blog/blog cover image template.pptx
+++ b/09/Course-Slide-Blog/blog cover image template.pptx
@@ -258,7 +258,7 @@
           <a:p>
             <a:fld id="{D90327FC-AEAC-4C5C-9EDE-53CA13CEC9CA}" type="datetimeFigureOut">
               <a:rPr lang="zh-TW" altLang="en-US" smtClean="0"/>
-              <a:t>2017/10/27</a:t>
+              <a:t>2017/10/28</a:t>
             </a:fld>
             <a:endParaRPr lang="zh-TW" altLang="en-US"/>
           </a:p>
@@ -438,7 +438,7 @@
           <a:p>
             <a:fld id="{D90327FC-AEAC-4C5C-9EDE-53CA13CEC9CA}" type="datetimeFigureOut">
               <a:rPr lang="zh-TW" altLang="en-US" smtClean="0"/>
-              <a:t>2017/10/27</a:t>
+              <a:t>2017/10/28</a:t>
             </a:fld>
             <a:endParaRPr lang="zh-TW" altLang="en-US"/>
           </a:p>
@@ -565,7 +565,7 @@
           <a:p>
             <a:fld id="{D90327FC-AEAC-4C5C-9EDE-53CA13CEC9CA}" type="datetimeFigureOut">
               <a:rPr lang="zh-TW" altLang="en-US" smtClean="0"/>
-              <a:t>2017/10/27</a:t>
+              <a:t>2017/10/28</a:t>
             </a:fld>
             <a:endParaRPr lang="zh-TW" altLang="en-US"/>
           </a:p>
@@ -764,7 +764,7 @@
           <a:p>
             <a:fld id="{D90327FC-AEAC-4C5C-9EDE-53CA13CEC9CA}" type="datetimeFigureOut">
               <a:rPr lang="zh-TW" altLang="en-US" smtClean="0"/>
-              <a:t>2017/10/27</a:t>
+              <a:t>2017/10/28</a:t>
             </a:fld>
             <a:endParaRPr lang="zh-TW" altLang="en-US"/>
           </a:p>
@@ -934,7 +934,7 @@
           <a:p>
             <a:fld id="{D90327FC-AEAC-4C5C-9EDE-53CA13CEC9CA}" type="datetimeFigureOut">
               <a:rPr lang="zh-TW" altLang="en-US" smtClean="0"/>
-              <a:t>2017/10/27</a:t>
+              <a:t>2017/10/28</a:t>
             </a:fld>
             <a:endParaRPr lang="zh-TW" altLang="en-US"/>
           </a:p>
@@ -1180,7 +1180,7 @@
           <a:p>
             <a:fld id="{D90327FC-AEAC-4C5C-9EDE-53CA13CEC9CA}" type="datetimeFigureOut">
               <a:rPr lang="zh-TW" altLang="en-US" smtClean="0"/>
-              <a:t>2017/10/27</a:t>
+              <a:t>2017/10/28</a:t>
             </a:fld>
             <a:endParaRPr lang="zh-TW" altLang="en-US"/>
           </a:p>
@@ -1412,7 +1412,7 @@
           <a:p>
             <a:fld id="{D90327FC-AEAC-4C5C-9EDE-53CA13CEC9CA}" type="datetimeFigureOut">
               <a:rPr lang="zh-TW" altLang="en-US" smtClean="0"/>
-              <a:t>2017/10/27</a:t>
+              <a:t>2017/10/28</a:t>
             </a:fld>
             <a:endParaRPr lang="zh-TW" altLang="en-US"/>
           </a:p>
@@ -1779,7 +1779,7 @@
           <a:p>
             <a:fld id="{D90327FC-AEAC-4C5C-9EDE-53CA13CEC9CA}" type="datetimeFigureOut">
               <a:rPr lang="zh-TW" altLang="en-US" smtClean="0"/>
-              <a:t>2017/10/27</a:t>
+              <a:t>2017/10/28</a:t>
             </a:fld>
             <a:endParaRPr lang="zh-TW" altLang="en-US"/>
           </a:p>
@@ -1897,7 +1897,7 @@
           <a:p>
             <a:fld id="{D90327FC-AEAC-4C5C-9EDE-53CA13CEC9CA}" type="datetimeFigureOut">
               <a:rPr lang="zh-TW" altLang="en-US" smtClean="0"/>
-              <a:t>2017/10/27</a:t>
+              <a:t>2017/10/28</a:t>
             </a:fld>
             <a:endParaRPr lang="zh-TW" altLang="en-US"/>
           </a:p>
@@ -1992,7 +1992,7 @@
           <a:p>
             <a:fld id="{D90327FC-AEAC-4C5C-9EDE-53CA13CEC9CA}" type="datetimeFigureOut">
               <a:rPr lang="zh-TW" altLang="en-US" smtClean="0"/>
-              <a:t>2017/10/27</a:t>
+              <a:t>2017/10/28</a:t>
             </a:fld>
             <a:endParaRPr lang="zh-TW" altLang="en-US"/>
           </a:p>
@@ -2269,7 +2269,7 @@
           <a:p>
             <a:fld id="{D90327FC-AEAC-4C5C-9EDE-53CA13CEC9CA}" type="datetimeFigureOut">
               <a:rPr lang="zh-TW" altLang="en-US" smtClean="0"/>
-              <a:t>2017/10/27</a:t>
+              <a:t>2017/10/28</a:t>
             </a:fld>
             <a:endParaRPr lang="zh-TW" altLang="en-US"/>
           </a:p>
@@ -2526,7 +2526,7 @@
           <a:p>
             <a:fld id="{D90327FC-AEAC-4C5C-9EDE-53CA13CEC9CA}" type="datetimeFigureOut">
               <a:rPr lang="zh-TW" altLang="en-US" smtClean="0"/>
-              <a:t>2017/10/27</a:t>
+              <a:t>2017/10/28</a:t>
             </a:fld>
             <a:endParaRPr lang="zh-TW" altLang="en-US"/>
           </a:p>
@@ -2739,7 +2739,7 @@
           <a:p>
             <a:fld id="{D90327FC-AEAC-4C5C-9EDE-53CA13CEC9CA}" type="datetimeFigureOut">
               <a:rPr lang="zh-TW" altLang="en-US" smtClean="0"/>
-              <a:t>2017/10/27</a:t>
+              <a:t>2017/10/28</a:t>
             </a:fld>
             <a:endParaRPr lang="zh-TW" altLang="en-US"/>
           </a:p>
@@ -3195,10 +3195,6 @@
               </a:rPr>
               <a:t>專業文件排版</a:t>
             </a:r>
-            <a:endParaRPr lang="zh-TW" altLang="en-US" sz="3600" b="1" dirty="0">
-              <a:latin typeface="微軟正黑體" panose="020B0604030504040204" pitchFamily="34" charset="-120"/>
-              <a:ea typeface="微軟正黑體" panose="020B0604030504040204" pitchFamily="34" charset="-120"/>
-            </a:endParaRPr>
           </a:p>
         </p:txBody>
       </p:sp>
@@ -3547,7 +3543,7 @@
         <a:spAutoFit/>
       </a:bodyPr>
       <a:lstStyle>
-        <a:defPPr algn="r">
+        <a:defPPr algn="ctr">
           <a:defRPr sz="5400" b="1" dirty="0" smtClean="0">
             <a:ln w="10160">
               <a:solidFill>
